--- a/slides/2. API OpenAI - Configuração da API.pptx
+++ b/slides/2. API OpenAI - Configuração da API.pptx
@@ -9564,6 +9564,65 @@
           </a:p>
         </p:txBody>
       </p:sp>
+      <p:pic>
+        <p:nvPicPr>
+          <p:cNvPr id="4" name="Imagem 3"/>
+          <p:cNvPicPr>
+            <a:picLocks noChangeAspect="1"/>
+          </p:cNvPicPr>
+          <p:nvPr/>
+        </p:nvPicPr>
+        <p:blipFill>
+          <a:blip r:embed="rId4">
+            <a:extLst>
+              <a:ext uri="{28A0092B-C50C-407E-A947-70E740481C1C}">
+                <a14:useLocalDpi xmlns:a14="http://schemas.microsoft.com/office/drawing/2010/main" val="0"/>
+              </a:ext>
+            </a:extLst>
+          </a:blip>
+          <a:stretch>
+            <a:fillRect/>
+          </a:stretch>
+        </p:blipFill>
+        <p:spPr>
+          <a:xfrm>
+            <a:off x="357086" y="2044147"/>
+            <a:ext cx="1399308" cy="2278212"/>
+          </a:xfrm>
+          <a:prstGeom prst="rect">
+            <a:avLst/>
+          </a:prstGeom>
+        </p:spPr>
+      </p:pic>
+      <p:pic>
+        <p:nvPicPr>
+          <p:cNvPr id="5" name="Imagem 4"/>
+          <p:cNvPicPr>
+            <a:picLocks noChangeAspect="1"/>
+          </p:cNvPicPr>
+          <p:nvPr/>
+        </p:nvPicPr>
+        <p:blipFill rotWithShape="1">
+          <a:blip r:embed="rId5">
+            <a:extLst>
+              <a:ext uri="{28A0092B-C50C-407E-A947-70E740481C1C}">
+                <a14:useLocalDpi xmlns:a14="http://schemas.microsoft.com/office/drawing/2010/main" val="0"/>
+              </a:ext>
+            </a:extLst>
+          </a:blip>
+          <a:srcRect l="15850" r="10862"/>
+          <a:stretch/>
+        </p:blipFill>
+        <p:spPr>
+          <a:xfrm>
+            <a:off x="7481451" y="2485726"/>
+            <a:ext cx="1323109" cy="1395054"/>
+          </a:xfrm>
+          <a:prstGeom prst="rect">
+            <a:avLst/>
+          </a:prstGeom>
+        </p:spPr>
+      </p:pic>
     </p:spTree>
   </p:cSld>
   <p:clrMapOvr>
@@ -11276,15 +11335,7 @@
                   <a:srgbClr val="666666"/>
                 </a:solidFill>
               </a:rPr>
-              <a:t>:</a:t>
-            </a:r>
-            <a:r>
-              <a:rPr lang="pt-BR" sz="2000" dirty="0" smtClean="0">
-                <a:solidFill>
-                  <a:srgbClr val="666666"/>
-                </a:solidFill>
-              </a:rPr>
-              <a:t> </a:t>
+              <a:t>: </a:t>
             </a:r>
             <a:r>
               <a:rPr lang="pt-BR" sz="2000" dirty="0">
@@ -16150,15 +16201,7 @@
                   <a:srgbClr val="666666"/>
                 </a:solidFill>
               </a:rPr>
-              <a:t>Em seguida, basta</a:t>
-            </a:r>
-            <a:r>
-              <a:rPr lang="pt-BR" sz="2200" dirty="0" smtClean="0">
-                <a:solidFill>
-                  <a:srgbClr val="666666"/>
-                </a:solidFill>
-              </a:rPr>
-              <a:t> </a:t>
+              <a:t>Em seguida, basta </a:t>
             </a:r>
             <a:r>
               <a:rPr lang="pt-BR" sz="2200" dirty="0">
@@ -17501,11 +17544,6 @@
               </a:rPr>
               <a:t> e gerenciar suas configurações</a:t>
             </a:r>
-            <a:endParaRPr lang="pt-BR" sz="2400" dirty="0">
-              <a:solidFill>
-                <a:srgbClr val="666666"/>
-              </a:solidFill>
-            </a:endParaRPr>
           </a:p>
         </p:txBody>
       </p:sp>
@@ -17873,11 +17911,6 @@
               </a:rPr>
               <a:t>API</a:t>
             </a:r>
-            <a:endParaRPr lang="pt-BR" sz="2400" b="1" dirty="0" smtClean="0">
-              <a:solidFill>
-                <a:srgbClr val="00B050"/>
-              </a:solidFill>
-            </a:endParaRPr>
           </a:p>
           <a:p>
             <a:pPr marL="342900" lvl="0" indent="-342900">
